--- a/2D Array.pptx
+++ b/2D Array.pptx
@@ -7,10 +7,19 @@
   <p:sldIdLst>
     <p:sldId id="256" r:id="rId2"/>
     <p:sldId id="257" r:id="rId3"/>
-    <p:sldId id="258" r:id="rId4"/>
-    <p:sldId id="260" r:id="rId5"/>
-    <p:sldId id="261" r:id="rId6"/>
-    <p:sldId id="259" r:id="rId7"/>
+    <p:sldId id="262" r:id="rId4"/>
+    <p:sldId id="258" r:id="rId5"/>
+    <p:sldId id="260" r:id="rId6"/>
+    <p:sldId id="264" r:id="rId7"/>
+    <p:sldId id="265" r:id="rId8"/>
+    <p:sldId id="263" r:id="rId9"/>
+    <p:sldId id="266" r:id="rId10"/>
+    <p:sldId id="267" r:id="rId11"/>
+    <p:sldId id="268" r:id="rId12"/>
+    <p:sldId id="269" r:id="rId13"/>
+    <p:sldId id="270" r:id="rId14"/>
+    <p:sldId id="271" r:id="rId15"/>
+    <p:sldId id="259" r:id="rId16"/>
   </p:sldIdLst>
   <p:sldSz cx="12192000" cy="6858000"/>
   <p:notesSz cx="6858000" cy="9144000"/>
@@ -109,6 +118,11 @@
       </a:defRPr>
     </a:lvl9pPr>
   </p:defaultTextStyle>
+  <p:extLst>
+    <p:ext uri="{EFAFB233-063F-42B5-8137-9DF3F51BA10A}">
+      <p15:sldGuideLst xmlns:p15="http://schemas.microsoft.com/office/powerpoint/2012/main"/>
+    </p:ext>
+  </p:extLst>
 </p:presentation>
 </file>
 
@@ -259,7 +273,7 @@
           <a:p>
             <a:fld id="{00CCCF62-95E0-48D4-AAEF-E8D76D5D3AFE}" type="datetimeFigureOut">
               <a:rPr lang="en-US" smtClean="0"/>
-              <a:t>6/4/2024</a:t>
+              <a:t>6/7/2024</a:t>
             </a:fld>
             <a:endParaRPr lang="en-US"/>
           </a:p>
@@ -457,7 +471,7 @@
           <a:p>
             <a:fld id="{00CCCF62-95E0-48D4-AAEF-E8D76D5D3AFE}" type="datetimeFigureOut">
               <a:rPr lang="en-US" smtClean="0"/>
-              <a:t>6/4/2024</a:t>
+              <a:t>6/7/2024</a:t>
             </a:fld>
             <a:endParaRPr lang="en-US"/>
           </a:p>
@@ -665,7 +679,7 @@
           <a:p>
             <a:fld id="{00CCCF62-95E0-48D4-AAEF-E8D76D5D3AFE}" type="datetimeFigureOut">
               <a:rPr lang="en-US" smtClean="0"/>
-              <a:t>6/4/2024</a:t>
+              <a:t>6/7/2024</a:t>
             </a:fld>
             <a:endParaRPr lang="en-US"/>
           </a:p>
@@ -863,7 +877,7 @@
           <a:p>
             <a:fld id="{00CCCF62-95E0-48D4-AAEF-E8D76D5D3AFE}" type="datetimeFigureOut">
               <a:rPr lang="en-US" smtClean="0"/>
-              <a:t>6/4/2024</a:t>
+              <a:t>6/7/2024</a:t>
             </a:fld>
             <a:endParaRPr lang="en-US"/>
           </a:p>
@@ -1138,7 +1152,7 @@
           <a:p>
             <a:fld id="{00CCCF62-95E0-48D4-AAEF-E8D76D5D3AFE}" type="datetimeFigureOut">
               <a:rPr lang="en-US" smtClean="0"/>
-              <a:t>6/4/2024</a:t>
+              <a:t>6/7/2024</a:t>
             </a:fld>
             <a:endParaRPr lang="en-US"/>
           </a:p>
@@ -1403,7 +1417,7 @@
           <a:p>
             <a:fld id="{00CCCF62-95E0-48D4-AAEF-E8D76D5D3AFE}" type="datetimeFigureOut">
               <a:rPr lang="en-US" smtClean="0"/>
-              <a:t>6/4/2024</a:t>
+              <a:t>6/7/2024</a:t>
             </a:fld>
             <a:endParaRPr lang="en-US"/>
           </a:p>
@@ -1815,7 +1829,7 @@
           <a:p>
             <a:fld id="{00CCCF62-95E0-48D4-AAEF-E8D76D5D3AFE}" type="datetimeFigureOut">
               <a:rPr lang="en-US" smtClean="0"/>
-              <a:t>6/4/2024</a:t>
+              <a:t>6/7/2024</a:t>
             </a:fld>
             <a:endParaRPr lang="en-US"/>
           </a:p>
@@ -1956,7 +1970,7 @@
           <a:p>
             <a:fld id="{00CCCF62-95E0-48D4-AAEF-E8D76D5D3AFE}" type="datetimeFigureOut">
               <a:rPr lang="en-US" smtClean="0"/>
-              <a:t>6/4/2024</a:t>
+              <a:t>6/7/2024</a:t>
             </a:fld>
             <a:endParaRPr lang="en-US"/>
           </a:p>
@@ -2069,7 +2083,7 @@
           <a:p>
             <a:fld id="{00CCCF62-95E0-48D4-AAEF-E8D76D5D3AFE}" type="datetimeFigureOut">
               <a:rPr lang="en-US" smtClean="0"/>
-              <a:t>6/4/2024</a:t>
+              <a:t>6/7/2024</a:t>
             </a:fld>
             <a:endParaRPr lang="en-US"/>
           </a:p>
@@ -2380,7 +2394,7 @@
           <a:p>
             <a:fld id="{00CCCF62-95E0-48D4-AAEF-E8D76D5D3AFE}" type="datetimeFigureOut">
               <a:rPr lang="en-US" smtClean="0"/>
-              <a:t>6/4/2024</a:t>
+              <a:t>6/7/2024</a:t>
             </a:fld>
             <a:endParaRPr lang="en-US"/>
           </a:p>
@@ -2668,7 +2682,7 @@
           <a:p>
             <a:fld id="{00CCCF62-95E0-48D4-AAEF-E8D76D5D3AFE}" type="datetimeFigureOut">
               <a:rPr lang="en-US" smtClean="0"/>
-              <a:t>6/4/2024</a:t>
+              <a:t>6/7/2024</a:t>
             </a:fld>
             <a:endParaRPr lang="en-US"/>
           </a:p>
@@ -2909,7 +2923,7 @@
           <a:p>
             <a:fld id="{00CCCF62-95E0-48D4-AAEF-E8D76D5D3AFE}" type="datetimeFigureOut">
               <a:rPr lang="en-US" smtClean="0"/>
-              <a:t>6/4/2024</a:t>
+              <a:t>6/7/2024</a:t>
             </a:fld>
             <a:endParaRPr lang="en-US"/>
           </a:p>
@@ -3430,6 +3444,744 @@
 </p:sld>
 </file>
 
+<file path=ppt/slides/slide10.xml><?xml version="1.0" encoding="utf-8"?>
+<p:sld xmlns:a="http://schemas.openxmlformats.org/drawingml/2006/main" xmlns:r="http://schemas.openxmlformats.org/officeDocument/2006/relationships" xmlns:p="http://schemas.openxmlformats.org/presentationml/2006/main">
+  <p:cSld>
+    <p:spTree>
+      <p:nvGrpSpPr>
+        <p:cNvPr id="1" name=""/>
+        <p:cNvGrpSpPr/>
+        <p:nvPr/>
+      </p:nvGrpSpPr>
+      <p:grpSpPr>
+        <a:xfrm>
+          <a:off x="0" y="0"/>
+          <a:ext cx="0" cy="0"/>
+          <a:chOff x="0" y="0"/>
+          <a:chExt cx="0" cy="0"/>
+        </a:xfrm>
+      </p:grpSpPr>
+      <p:sp>
+        <p:nvSpPr>
+          <p:cNvPr id="2" name="Title 1">
+            <a:extLst>
+              <a:ext uri="{FF2B5EF4-FFF2-40B4-BE49-F238E27FC236}">
+                <a16:creationId xmlns:a16="http://schemas.microsoft.com/office/drawing/2014/main" id="{1CDC4BAC-2079-E5D7-0D61-CFD6DCB83D56}"/>
+              </a:ext>
+            </a:extLst>
+          </p:cNvPr>
+          <p:cNvSpPr>
+            <a:spLocks noGrp="1"/>
+          </p:cNvSpPr>
+          <p:nvPr>
+            <p:ph type="title"/>
+          </p:nvPr>
+        </p:nvSpPr>
+        <p:spPr/>
+        <p:txBody>
+          <a:bodyPr/>
+          <a:lstStyle/>
+          <a:p>
+            <a:r>
+              <a:rPr lang="lv-LV" dirty="0"/>
+              <a:t>2D masīvs</a:t>
+            </a:r>
+            <a:endParaRPr lang="en-US" dirty="0"/>
+          </a:p>
+        </p:txBody>
+      </p:sp>
+      <p:pic>
+        <p:nvPicPr>
+          <p:cNvPr id="5" name="Picture 4">
+            <a:extLst>
+              <a:ext uri="{FF2B5EF4-FFF2-40B4-BE49-F238E27FC236}">
+                <a16:creationId xmlns:a16="http://schemas.microsoft.com/office/drawing/2014/main" id="{B3AA0C67-E446-032C-429F-BB650EF6FE10}"/>
+              </a:ext>
+            </a:extLst>
+          </p:cNvPr>
+          <p:cNvPicPr>
+            <a:picLocks noChangeAspect="1"/>
+          </p:cNvPicPr>
+          <p:nvPr/>
+        </p:nvPicPr>
+        <p:blipFill>
+          <a:blip r:embed="rId2"/>
+          <a:stretch>
+            <a:fillRect/>
+          </a:stretch>
+        </p:blipFill>
+        <p:spPr>
+          <a:xfrm>
+            <a:off x="4400922" y="365125"/>
+            <a:ext cx="4061209" cy="6315593"/>
+          </a:xfrm>
+          <a:prstGeom prst="rect">
+            <a:avLst/>
+          </a:prstGeom>
+        </p:spPr>
+      </p:pic>
+    </p:spTree>
+    <p:extLst>
+      <p:ext uri="{BB962C8B-B14F-4D97-AF65-F5344CB8AC3E}">
+        <p14:creationId xmlns:p14="http://schemas.microsoft.com/office/powerpoint/2010/main" val="1996091511"/>
+      </p:ext>
+    </p:extLst>
+  </p:cSld>
+  <p:clrMapOvr>
+    <a:masterClrMapping/>
+  </p:clrMapOvr>
+</p:sld>
+</file>
+
+<file path=ppt/slides/slide11.xml><?xml version="1.0" encoding="utf-8"?>
+<p:sld xmlns:a="http://schemas.openxmlformats.org/drawingml/2006/main" xmlns:r="http://schemas.openxmlformats.org/officeDocument/2006/relationships" xmlns:p="http://schemas.openxmlformats.org/presentationml/2006/main">
+  <p:cSld>
+    <p:spTree>
+      <p:nvGrpSpPr>
+        <p:cNvPr id="1" name=""/>
+        <p:cNvGrpSpPr/>
+        <p:nvPr/>
+      </p:nvGrpSpPr>
+      <p:grpSpPr>
+        <a:xfrm>
+          <a:off x="0" y="0"/>
+          <a:ext cx="0" cy="0"/>
+          <a:chOff x="0" y="0"/>
+          <a:chExt cx="0" cy="0"/>
+        </a:xfrm>
+      </p:grpSpPr>
+      <p:sp>
+        <p:nvSpPr>
+          <p:cNvPr id="2" name="Title 1">
+            <a:extLst>
+              <a:ext uri="{FF2B5EF4-FFF2-40B4-BE49-F238E27FC236}">
+                <a16:creationId xmlns:a16="http://schemas.microsoft.com/office/drawing/2014/main" id="{E5B8D2A4-7AE0-2925-880C-7EE71A7F822A}"/>
+              </a:ext>
+            </a:extLst>
+          </p:cNvPr>
+          <p:cNvSpPr>
+            <a:spLocks noGrp="1"/>
+          </p:cNvSpPr>
+          <p:nvPr>
+            <p:ph type="title"/>
+          </p:nvPr>
+        </p:nvSpPr>
+        <p:spPr/>
+        <p:txBody>
+          <a:bodyPr/>
+          <a:lstStyle/>
+          <a:p>
+            <a:r>
+              <a:rPr lang="lv-LV" dirty="0"/>
+              <a:t>2D masīvs</a:t>
+            </a:r>
+            <a:endParaRPr lang="en-US" dirty="0"/>
+          </a:p>
+        </p:txBody>
+      </p:sp>
+      <p:sp>
+        <p:nvSpPr>
+          <p:cNvPr id="3" name="Content Placeholder 2">
+            <a:extLst>
+              <a:ext uri="{FF2B5EF4-FFF2-40B4-BE49-F238E27FC236}">
+                <a16:creationId xmlns:a16="http://schemas.microsoft.com/office/drawing/2014/main" id="{67E5BC45-2638-DA99-38F2-1EF91A5209F8}"/>
+              </a:ext>
+            </a:extLst>
+          </p:cNvPr>
+          <p:cNvSpPr>
+            <a:spLocks noGrp="1"/>
+          </p:cNvSpPr>
+          <p:nvPr>
+            <p:ph idx="1"/>
+          </p:nvPr>
+        </p:nvSpPr>
+        <p:spPr/>
+        <p:txBody>
+          <a:bodyPr/>
+          <a:lstStyle/>
+          <a:p>
+            <a:pPr marL="0" indent="0">
+              <a:buNone/>
+            </a:pPr>
+            <a:r>
+              <a:rPr lang="lv-LV" dirty="0"/>
+              <a:t>Masīvos kuros dati ir lielos apjomos , lai tos būtu vieglāk un ērtāk apskatīt , un efektīvāk atrast konkrētas vērtības, var kārtot tos pēc kāda kritērija. </a:t>
+            </a:r>
+          </a:p>
+          <a:p>
+            <a:pPr marL="0" indent="0">
+              <a:buNone/>
+            </a:pPr>
+            <a:r>
+              <a:rPr lang="lv-LV" dirty="0"/>
+              <a:t>Divdimensiju masīvus var kārtot atsevišķi pēc rindām vai kolonnām.</a:t>
+            </a:r>
+            <a:endParaRPr lang="en-US" dirty="0"/>
+          </a:p>
+        </p:txBody>
+      </p:sp>
+    </p:spTree>
+    <p:extLst>
+      <p:ext uri="{BB962C8B-B14F-4D97-AF65-F5344CB8AC3E}">
+        <p14:creationId xmlns:p14="http://schemas.microsoft.com/office/powerpoint/2010/main" val="1978840969"/>
+      </p:ext>
+    </p:extLst>
+  </p:cSld>
+  <p:clrMapOvr>
+    <a:masterClrMapping/>
+  </p:clrMapOvr>
+</p:sld>
+</file>
+
+<file path=ppt/slides/slide12.xml><?xml version="1.0" encoding="utf-8"?>
+<p:sld xmlns:a="http://schemas.openxmlformats.org/drawingml/2006/main" xmlns:r="http://schemas.openxmlformats.org/officeDocument/2006/relationships" xmlns:p="http://schemas.openxmlformats.org/presentationml/2006/main">
+  <p:cSld>
+    <p:spTree>
+      <p:nvGrpSpPr>
+        <p:cNvPr id="1" name=""/>
+        <p:cNvGrpSpPr/>
+        <p:nvPr/>
+      </p:nvGrpSpPr>
+      <p:grpSpPr>
+        <a:xfrm>
+          <a:off x="0" y="0"/>
+          <a:ext cx="0" cy="0"/>
+          <a:chOff x="0" y="0"/>
+          <a:chExt cx="0" cy="0"/>
+        </a:xfrm>
+      </p:grpSpPr>
+      <p:sp>
+        <p:nvSpPr>
+          <p:cNvPr id="2" name="Title 1">
+            <a:extLst>
+              <a:ext uri="{FF2B5EF4-FFF2-40B4-BE49-F238E27FC236}">
+                <a16:creationId xmlns:a16="http://schemas.microsoft.com/office/drawing/2014/main" id="{3482FCEF-D722-5075-1CD3-EA3B9A633F71}"/>
+              </a:ext>
+            </a:extLst>
+          </p:cNvPr>
+          <p:cNvSpPr>
+            <a:spLocks noGrp="1"/>
+          </p:cNvSpPr>
+          <p:nvPr>
+            <p:ph type="title"/>
+          </p:nvPr>
+        </p:nvSpPr>
+        <p:spPr/>
+        <p:txBody>
+          <a:bodyPr/>
+          <a:lstStyle/>
+          <a:p>
+            <a:r>
+              <a:rPr lang="lv-LV" dirty="0"/>
+              <a:t>2D masīvs</a:t>
+            </a:r>
+            <a:endParaRPr lang="en-US" dirty="0"/>
+          </a:p>
+        </p:txBody>
+      </p:sp>
+      <p:sp>
+        <p:nvSpPr>
+          <p:cNvPr id="3" name="Content Placeholder 2">
+            <a:extLst>
+              <a:ext uri="{FF2B5EF4-FFF2-40B4-BE49-F238E27FC236}">
+                <a16:creationId xmlns:a16="http://schemas.microsoft.com/office/drawing/2014/main" id="{6A4F8104-63C8-89F6-A944-07DE211539E4}"/>
+              </a:ext>
+            </a:extLst>
+          </p:cNvPr>
+          <p:cNvSpPr>
+            <a:spLocks noGrp="1"/>
+          </p:cNvSpPr>
+          <p:nvPr>
+            <p:ph idx="1"/>
+          </p:nvPr>
+        </p:nvSpPr>
+        <p:spPr>
+          <a:xfrm>
+            <a:off x="838200" y="1825625"/>
+            <a:ext cx="4347012" cy="4351338"/>
+          </a:xfrm>
+        </p:spPr>
+        <p:txBody>
+          <a:bodyPr/>
+          <a:lstStyle/>
+          <a:p>
+            <a:pPr marL="0" indent="0">
+              <a:buNone/>
+            </a:pPr>
+            <a:r>
+              <a:rPr lang="lv-LV" dirty="0"/>
+              <a:t>Pielietots Bubble sort ar kura palīdzību masīvs sakārtots augoši.</a:t>
+            </a:r>
+          </a:p>
+          <a:p>
+            <a:pPr marL="0" indent="0">
+              <a:buNone/>
+            </a:pPr>
+            <a:r>
+              <a:rPr lang="lv-LV" dirty="0"/>
+              <a:t>(Sākumā to pārveido par pagaidu 1D masīvu un tad pēc kārtošanas pāriet atpakaļ uz 2D)</a:t>
+            </a:r>
+            <a:endParaRPr lang="en-US" dirty="0"/>
+          </a:p>
+        </p:txBody>
+      </p:sp>
+      <p:pic>
+        <p:nvPicPr>
+          <p:cNvPr id="5" name="Picture 4">
+            <a:extLst>
+              <a:ext uri="{FF2B5EF4-FFF2-40B4-BE49-F238E27FC236}">
+                <a16:creationId xmlns:a16="http://schemas.microsoft.com/office/drawing/2014/main" id="{7C7377EF-F6B0-29B9-DA76-DB61996F0429}"/>
+              </a:ext>
+            </a:extLst>
+          </p:cNvPr>
+          <p:cNvPicPr>
+            <a:picLocks noChangeAspect="1"/>
+          </p:cNvPicPr>
+          <p:nvPr/>
+        </p:nvPicPr>
+        <p:blipFill>
+          <a:blip r:embed="rId2"/>
+          <a:stretch>
+            <a:fillRect/>
+          </a:stretch>
+        </p:blipFill>
+        <p:spPr>
+          <a:xfrm>
+            <a:off x="5301414" y="182562"/>
+            <a:ext cx="3660020" cy="6492875"/>
+          </a:xfrm>
+          <a:prstGeom prst="rect">
+            <a:avLst/>
+          </a:prstGeom>
+        </p:spPr>
+      </p:pic>
+      <p:pic>
+        <p:nvPicPr>
+          <p:cNvPr id="7" name="Picture 6">
+            <a:extLst>
+              <a:ext uri="{FF2B5EF4-FFF2-40B4-BE49-F238E27FC236}">
+                <a16:creationId xmlns:a16="http://schemas.microsoft.com/office/drawing/2014/main" id="{F1605CD7-70F8-E1ED-B266-6B1EB8976170}"/>
+              </a:ext>
+            </a:extLst>
+          </p:cNvPr>
+          <p:cNvPicPr>
+            <a:picLocks noChangeAspect="1"/>
+          </p:cNvPicPr>
+          <p:nvPr/>
+        </p:nvPicPr>
+        <p:blipFill>
+          <a:blip r:embed="rId3"/>
+          <a:stretch>
+            <a:fillRect/>
+          </a:stretch>
+        </p:blipFill>
+        <p:spPr>
+          <a:xfrm>
+            <a:off x="9077636" y="3013495"/>
+            <a:ext cx="2578418" cy="1549173"/>
+          </a:xfrm>
+          <a:prstGeom prst="rect">
+            <a:avLst/>
+          </a:prstGeom>
+        </p:spPr>
+      </p:pic>
+    </p:spTree>
+    <p:extLst>
+      <p:ext uri="{BB962C8B-B14F-4D97-AF65-F5344CB8AC3E}">
+        <p14:creationId xmlns:p14="http://schemas.microsoft.com/office/powerpoint/2010/main" val="3088868666"/>
+      </p:ext>
+    </p:extLst>
+  </p:cSld>
+  <p:clrMapOvr>
+    <a:masterClrMapping/>
+  </p:clrMapOvr>
+</p:sld>
+</file>
+
+<file path=ppt/slides/slide13.xml><?xml version="1.0" encoding="utf-8"?>
+<p:sld xmlns:a="http://schemas.openxmlformats.org/drawingml/2006/main" xmlns:r="http://schemas.openxmlformats.org/officeDocument/2006/relationships" xmlns:p="http://schemas.openxmlformats.org/presentationml/2006/main">
+  <p:cSld>
+    <p:spTree>
+      <p:nvGrpSpPr>
+        <p:cNvPr id="1" name=""/>
+        <p:cNvGrpSpPr/>
+        <p:nvPr/>
+      </p:nvGrpSpPr>
+      <p:grpSpPr>
+        <a:xfrm>
+          <a:off x="0" y="0"/>
+          <a:ext cx="0" cy="0"/>
+          <a:chOff x="0" y="0"/>
+          <a:chExt cx="0" cy="0"/>
+        </a:xfrm>
+      </p:grpSpPr>
+      <p:sp>
+        <p:nvSpPr>
+          <p:cNvPr id="2" name="Title 1">
+            <a:extLst>
+              <a:ext uri="{FF2B5EF4-FFF2-40B4-BE49-F238E27FC236}">
+                <a16:creationId xmlns:a16="http://schemas.microsoft.com/office/drawing/2014/main" id="{6BE4E8F7-C8FB-3D7C-8487-BCA8E23A7976}"/>
+              </a:ext>
+            </a:extLst>
+          </p:cNvPr>
+          <p:cNvSpPr>
+            <a:spLocks noGrp="1"/>
+          </p:cNvSpPr>
+          <p:nvPr>
+            <p:ph type="title"/>
+          </p:nvPr>
+        </p:nvSpPr>
+        <p:spPr/>
+        <p:txBody>
+          <a:bodyPr/>
+          <a:lstStyle/>
+          <a:p>
+            <a:r>
+              <a:rPr lang="lv-LV" dirty="0"/>
+              <a:t>2D masīvs</a:t>
+            </a:r>
+            <a:endParaRPr lang="en-US" dirty="0"/>
+          </a:p>
+        </p:txBody>
+      </p:sp>
+      <p:sp>
+        <p:nvSpPr>
+          <p:cNvPr id="3" name="Content Placeholder 2">
+            <a:extLst>
+              <a:ext uri="{FF2B5EF4-FFF2-40B4-BE49-F238E27FC236}">
+                <a16:creationId xmlns:a16="http://schemas.microsoft.com/office/drawing/2014/main" id="{27AF94A5-2A28-F509-9582-763DE02F4932}"/>
+              </a:ext>
+            </a:extLst>
+          </p:cNvPr>
+          <p:cNvSpPr>
+            <a:spLocks noGrp="1"/>
+          </p:cNvSpPr>
+          <p:nvPr>
+            <p:ph idx="1"/>
+          </p:nvPr>
+        </p:nvSpPr>
+        <p:spPr>
+          <a:xfrm>
+            <a:off x="838200" y="1825625"/>
+            <a:ext cx="3858087" cy="4351338"/>
+          </a:xfrm>
+        </p:spPr>
+        <p:txBody>
+          <a:bodyPr/>
+          <a:lstStyle/>
+          <a:p>
+            <a:pPr marL="0" indent="0">
+              <a:buNone/>
+            </a:pPr>
+            <a:r>
+              <a:rPr lang="lv-LV" dirty="0"/>
+              <a:t>Līdzigs iepriekšējam, bet šeit izmantot Selection Sort kas sakārtoja dilstoši.</a:t>
+            </a:r>
+            <a:endParaRPr lang="en-US" dirty="0"/>
+          </a:p>
+        </p:txBody>
+      </p:sp>
+      <p:pic>
+        <p:nvPicPr>
+          <p:cNvPr id="5" name="Picture 4">
+            <a:extLst>
+              <a:ext uri="{FF2B5EF4-FFF2-40B4-BE49-F238E27FC236}">
+                <a16:creationId xmlns:a16="http://schemas.microsoft.com/office/drawing/2014/main" id="{45588AB4-CE14-A60A-21B1-55864D2CA5B5}"/>
+              </a:ext>
+            </a:extLst>
+          </p:cNvPr>
+          <p:cNvPicPr>
+            <a:picLocks noChangeAspect="1"/>
+          </p:cNvPicPr>
+          <p:nvPr/>
+        </p:nvPicPr>
+        <p:blipFill>
+          <a:blip r:embed="rId2"/>
+          <a:stretch>
+            <a:fillRect/>
+          </a:stretch>
+        </p:blipFill>
+        <p:spPr>
+          <a:xfrm>
+            <a:off x="4766078" y="178529"/>
+            <a:ext cx="3632198" cy="6500941"/>
+          </a:xfrm>
+          <a:prstGeom prst="rect">
+            <a:avLst/>
+          </a:prstGeom>
+        </p:spPr>
+      </p:pic>
+      <p:pic>
+        <p:nvPicPr>
+          <p:cNvPr id="7" name="Picture 6">
+            <a:extLst>
+              <a:ext uri="{FF2B5EF4-FFF2-40B4-BE49-F238E27FC236}">
+                <a16:creationId xmlns:a16="http://schemas.microsoft.com/office/drawing/2014/main" id="{1586636B-C3F3-8B5D-38D6-8E55888F0412}"/>
+              </a:ext>
+            </a:extLst>
+          </p:cNvPr>
+          <p:cNvPicPr>
+            <a:picLocks noChangeAspect="1"/>
+          </p:cNvPicPr>
+          <p:nvPr/>
+        </p:nvPicPr>
+        <p:blipFill>
+          <a:blip r:embed="rId3"/>
+          <a:stretch>
+            <a:fillRect/>
+          </a:stretch>
+        </p:blipFill>
+        <p:spPr>
+          <a:xfrm>
+            <a:off x="8537897" y="3047964"/>
+            <a:ext cx="3176969" cy="1325563"/>
+          </a:xfrm>
+          <a:prstGeom prst="rect">
+            <a:avLst/>
+          </a:prstGeom>
+        </p:spPr>
+      </p:pic>
+    </p:spTree>
+    <p:extLst>
+      <p:ext uri="{BB962C8B-B14F-4D97-AF65-F5344CB8AC3E}">
+        <p14:creationId xmlns:p14="http://schemas.microsoft.com/office/powerpoint/2010/main" val="3037797209"/>
+      </p:ext>
+    </p:extLst>
+  </p:cSld>
+  <p:clrMapOvr>
+    <a:masterClrMapping/>
+  </p:clrMapOvr>
+</p:sld>
+</file>
+
+<file path=ppt/slides/slide14.xml><?xml version="1.0" encoding="utf-8"?>
+<p:sld xmlns:a="http://schemas.openxmlformats.org/drawingml/2006/main" xmlns:r="http://schemas.openxmlformats.org/officeDocument/2006/relationships" xmlns:p="http://schemas.openxmlformats.org/presentationml/2006/main">
+  <p:cSld>
+    <p:spTree>
+      <p:nvGrpSpPr>
+        <p:cNvPr id="1" name=""/>
+        <p:cNvGrpSpPr/>
+        <p:nvPr/>
+      </p:nvGrpSpPr>
+      <p:grpSpPr>
+        <a:xfrm>
+          <a:off x="0" y="0"/>
+          <a:ext cx="0" cy="0"/>
+          <a:chOff x="0" y="0"/>
+          <a:chExt cx="0" cy="0"/>
+        </a:xfrm>
+      </p:grpSpPr>
+      <p:sp>
+        <p:nvSpPr>
+          <p:cNvPr id="2" name="Title 1">
+            <a:extLst>
+              <a:ext uri="{FF2B5EF4-FFF2-40B4-BE49-F238E27FC236}">
+                <a16:creationId xmlns:a16="http://schemas.microsoft.com/office/drawing/2014/main" id="{C77000B3-9E7F-4A43-BB9B-5FDDA3919A67}"/>
+              </a:ext>
+            </a:extLst>
+          </p:cNvPr>
+          <p:cNvSpPr>
+            <a:spLocks noGrp="1"/>
+          </p:cNvSpPr>
+          <p:nvPr>
+            <p:ph type="title"/>
+          </p:nvPr>
+        </p:nvSpPr>
+        <p:spPr/>
+        <p:txBody>
+          <a:bodyPr/>
+          <a:lstStyle/>
+          <a:p>
+            <a:r>
+              <a:rPr lang="lv-LV" dirty="0"/>
+              <a:t>Atsauces</a:t>
+            </a:r>
+            <a:endParaRPr lang="en-US" dirty="0"/>
+          </a:p>
+        </p:txBody>
+      </p:sp>
+      <p:sp>
+        <p:nvSpPr>
+          <p:cNvPr id="3" name="Content Placeholder 2">
+            <a:extLst>
+              <a:ext uri="{FF2B5EF4-FFF2-40B4-BE49-F238E27FC236}">
+                <a16:creationId xmlns:a16="http://schemas.microsoft.com/office/drawing/2014/main" id="{FDCECA5E-5F15-4E76-D38F-D8B02D90703F}"/>
+              </a:ext>
+            </a:extLst>
+          </p:cNvPr>
+          <p:cNvSpPr>
+            <a:spLocks noGrp="1"/>
+          </p:cNvSpPr>
+          <p:nvPr>
+            <p:ph idx="1"/>
+          </p:nvPr>
+        </p:nvSpPr>
+        <p:spPr>
+          <a:xfrm>
+            <a:off x="838200" y="1825625"/>
+            <a:ext cx="10515600" cy="2613210"/>
+          </a:xfrm>
+        </p:spPr>
+        <p:txBody>
+          <a:bodyPr>
+            <a:normAutofit fontScale="85000" lnSpcReduction="20000"/>
+          </a:bodyPr>
+          <a:lstStyle/>
+          <a:p>
+            <a:pPr marL="0" indent="0">
+              <a:buNone/>
+            </a:pPr>
+            <a:r>
+              <a:rPr lang="lv-LV" dirty="0"/>
+              <a:t>Geeks for Geeks par Daudzdimensiju masīvi javā.</a:t>
+            </a:r>
+          </a:p>
+          <a:p>
+            <a:pPr marL="0" indent="0">
+              <a:buNone/>
+            </a:pPr>
+            <a:r>
+              <a:rPr lang="en-US" dirty="0">
+                <a:hlinkClick r:id="rId2"/>
+              </a:rPr>
+              <a:t>https://www.geeksforgeeks.org/multidimensional-arrays-in-java/</a:t>
+            </a:r>
+            <a:endParaRPr lang="lv-LV" dirty="0"/>
+          </a:p>
+          <a:p>
+            <a:pPr marL="0" indent="0">
+              <a:buNone/>
+            </a:pPr>
+            <a:r>
+              <a:rPr lang="lv-LV" dirty="0"/>
+              <a:t>Geeks for Geeks par Dažādi veidi, kā deklarēt un inicializēt 2D masīvu Java.</a:t>
+            </a:r>
+          </a:p>
+          <a:p>
+            <a:pPr marL="0" indent="0">
+              <a:buNone/>
+            </a:pPr>
+            <a:r>
+              <a:rPr lang="lv-LV" dirty="0">
+                <a:hlinkClick r:id="rId3"/>
+              </a:rPr>
+              <a:t>https://www.geeksforgeeks.org/different-ways-to-declare-and-initialize-2-d-array-in-java/</a:t>
+            </a:r>
+            <a:endParaRPr lang="lv-LV" dirty="0"/>
+          </a:p>
+          <a:p>
+            <a:pPr marL="0" indent="0">
+              <a:buNone/>
+            </a:pPr>
+            <a:r>
+              <a:rPr lang="lv-LV" dirty="0"/>
+              <a:t>Skolotāja Rāvalda macību materiāli par 2D masīviem.</a:t>
+            </a:r>
+          </a:p>
+          <a:p>
+            <a:pPr marL="0" indent="0">
+              <a:buNone/>
+            </a:pPr>
+            <a:r>
+              <a:rPr lang="lv-LV" dirty="0">
+                <a:hlinkClick r:id="rId4"/>
+              </a:rPr>
+              <a:t>https://skolo.lv/course/view.php</a:t>
+            </a:r>
+            <a:endParaRPr lang="lv-LV" dirty="0"/>
+          </a:p>
+          <a:p>
+            <a:pPr marL="0" indent="0">
+              <a:buNone/>
+            </a:pPr>
+            <a:endParaRPr lang="lv-LV" dirty="0"/>
+          </a:p>
+          <a:p>
+            <a:pPr marL="0" indent="0">
+              <a:buNone/>
+            </a:pPr>
+            <a:endParaRPr lang="en-US" dirty="0"/>
+          </a:p>
+        </p:txBody>
+      </p:sp>
+    </p:spTree>
+    <p:extLst>
+      <p:ext uri="{BB962C8B-B14F-4D97-AF65-F5344CB8AC3E}">
+        <p14:creationId xmlns:p14="http://schemas.microsoft.com/office/powerpoint/2010/main" val="532863794"/>
+      </p:ext>
+    </p:extLst>
+  </p:cSld>
+  <p:clrMapOvr>
+    <a:masterClrMapping/>
+  </p:clrMapOvr>
+</p:sld>
+</file>
+
+<file path=ppt/slides/slide15.xml><?xml version="1.0" encoding="utf-8"?>
+<p:sld xmlns:a="http://schemas.openxmlformats.org/drawingml/2006/main" xmlns:r="http://schemas.openxmlformats.org/officeDocument/2006/relationships" xmlns:p="http://schemas.openxmlformats.org/presentationml/2006/main">
+  <p:cSld>
+    <p:spTree>
+      <p:nvGrpSpPr>
+        <p:cNvPr id="1" name=""/>
+        <p:cNvGrpSpPr/>
+        <p:nvPr/>
+      </p:nvGrpSpPr>
+      <p:grpSpPr>
+        <a:xfrm>
+          <a:off x="0" y="0"/>
+          <a:ext cx="0" cy="0"/>
+          <a:chOff x="0" y="0"/>
+          <a:chExt cx="0" cy="0"/>
+        </a:xfrm>
+      </p:grpSpPr>
+      <p:sp>
+        <p:nvSpPr>
+          <p:cNvPr id="2" name="Title 1">
+            <a:extLst>
+              <a:ext uri="{FF2B5EF4-FFF2-40B4-BE49-F238E27FC236}">
+                <a16:creationId xmlns:a16="http://schemas.microsoft.com/office/drawing/2014/main" id="{FF7B8840-0CF0-4B4A-26B3-B6230349D3E0}"/>
+              </a:ext>
+            </a:extLst>
+          </p:cNvPr>
+          <p:cNvSpPr>
+            <a:spLocks noGrp="1"/>
+          </p:cNvSpPr>
+          <p:nvPr>
+            <p:ph type="title"/>
+          </p:nvPr>
+        </p:nvSpPr>
+        <p:spPr>
+          <a:xfrm>
+            <a:off x="838200" y="2766218"/>
+            <a:ext cx="10515600" cy="1325563"/>
+          </a:xfrm>
+        </p:spPr>
+        <p:txBody>
+          <a:bodyPr/>
+          <a:lstStyle/>
+          <a:p>
+            <a:pPr algn="ctr"/>
+            <a:r>
+              <a:rPr lang="lv-LV" dirty="0"/>
+              <a:t>Paldies par uzmanību!</a:t>
+            </a:r>
+            <a:endParaRPr lang="en-US" dirty="0"/>
+          </a:p>
+        </p:txBody>
+      </p:sp>
+    </p:spTree>
+    <p:extLst>
+      <p:ext uri="{BB962C8B-B14F-4D97-AF65-F5344CB8AC3E}">
+        <p14:creationId xmlns:p14="http://schemas.microsoft.com/office/powerpoint/2010/main" val="2754659688"/>
+      </p:ext>
+    </p:extLst>
+  </p:cSld>
+  <p:clrMapOvr>
+    <a:masterClrMapping/>
+  </p:clrMapOvr>
+</p:sld>
+</file>
+
 <file path=ppt/slides/slide2.xml><?xml version="1.0" encoding="utf-8"?>
 <p:sld xmlns:a="http://schemas.openxmlformats.org/drawingml/2006/main" xmlns:r="http://schemas.openxmlformats.org/officeDocument/2006/relationships" xmlns:p="http://schemas.openxmlformats.org/presentationml/2006/main">
   <p:cSld>
@@ -3520,17 +4272,6 @@
               <a:rPr lang="lv-LV" dirty="0"/>
               <a:t>Divu indeksu gadījumā masīvu sauc par divdimensiju masīvu, kurā dati tiek glabāti tabulas veidā (rindās un kolonnās).</a:t>
             </a:r>
-          </a:p>
-          <a:p>
-            <a:pPr marL="0" indent="0">
-              <a:buNone/>
-            </a:pPr>
-            <a:r>
-              <a:rPr lang="lv-LV" dirty="0"/>
-              <a:t>Katrā programmā lietotais masīvs ir jādefinē, piešķirot tam datu tipu, dimensiju skaitu, nosaukumu.a</a:t>
-            </a:r>
-          </a:p>
-          <a:p>
             <a:endParaRPr lang="en-US" dirty="0"/>
           </a:p>
           <a:p>
@@ -3570,7 +4311,7 @@
         </p:blipFill>
         <p:spPr bwMode="auto">
           <a:xfrm>
-            <a:off x="8192610" y="1825625"/>
+            <a:off x="7562295" y="1690688"/>
             <a:ext cx="3352800" cy="2447925"/>
           </a:xfrm>
           <a:prstGeom prst="rect">
@@ -3586,36 +4327,6 @@
               </a14:hiddenFill>
             </a:ext>
           </a:extLst>
-        </p:spPr>
-      </p:pic>
-      <p:pic>
-        <p:nvPicPr>
-          <p:cNvPr id="7" name="Picture 6">
-            <a:extLst>
-              <a:ext uri="{FF2B5EF4-FFF2-40B4-BE49-F238E27FC236}">
-                <a16:creationId xmlns:a16="http://schemas.microsoft.com/office/drawing/2014/main" id="{9D2089FF-F424-61C9-7ECE-E41FD204AAB0}"/>
-              </a:ext>
-            </a:extLst>
-          </p:cNvPr>
-          <p:cNvPicPr>
-            <a:picLocks noChangeAspect="1"/>
-          </p:cNvPicPr>
-          <p:nvPr/>
-        </p:nvPicPr>
-        <p:blipFill>
-          <a:blip r:embed="rId3"/>
-          <a:stretch>
-            <a:fillRect/>
-          </a:stretch>
-        </p:blipFill>
-        <p:spPr>
-          <a:xfrm>
-            <a:off x="8263382" y="4408487"/>
-            <a:ext cx="3372321" cy="1209844"/>
-          </a:xfrm>
-          <a:prstGeom prst="rect">
-            <a:avLst/>
-          </a:prstGeom>
         </p:spPr>
       </p:pic>
     </p:spTree>
@@ -3653,7 +4364,7 @@
           <p:cNvPr id="2" name="Title 1">
             <a:extLst>
               <a:ext uri="{FF2B5EF4-FFF2-40B4-BE49-F238E27FC236}">
-                <a16:creationId xmlns:a16="http://schemas.microsoft.com/office/drawing/2014/main" id="{AFE53B09-D6D2-8870-3D84-AA847FA1B696}"/>
+                <a16:creationId xmlns:a16="http://schemas.microsoft.com/office/drawing/2014/main" id="{393EECCF-B2E5-9C24-380B-46C93C059918}"/>
               </a:ext>
             </a:extLst>
           </p:cNvPr>
@@ -3670,8 +4381,12 @@
           <a:lstStyle/>
           <a:p>
             <a:r>
+              <a:rPr lang="en-US" dirty="0"/>
+              <a:t>2D mas</a:t>
+            </a:r>
+            <a:r>
               <a:rPr lang="lv-LV" dirty="0"/>
-              <a:t>2D masīvs</a:t>
+              <a:t>īvs</a:t>
             </a:r>
             <a:endParaRPr lang="en-US" dirty="0"/>
           </a:p>
@@ -3682,7 +4397,7 @@
           <p:cNvPr id="3" name="Content Placeholder 2">
             <a:extLst>
               <a:ext uri="{FF2B5EF4-FFF2-40B4-BE49-F238E27FC236}">
-                <a16:creationId xmlns:a16="http://schemas.microsoft.com/office/drawing/2014/main" id="{AD8D32C4-1205-152C-0F79-ADD1FA426FE6}"/>
+                <a16:creationId xmlns:a16="http://schemas.microsoft.com/office/drawing/2014/main" id="{6880B5A6-C51E-9EB9-9BBE-B4F67B8123B1}"/>
               </a:ext>
             </a:extLst>
           </p:cNvPr>
@@ -3693,16 +4408,9 @@
             <p:ph idx="1"/>
           </p:nvPr>
         </p:nvSpPr>
-        <p:spPr>
-          <a:xfrm>
-            <a:off x="838199" y="1539767"/>
-            <a:ext cx="10515599" cy="4351338"/>
-          </a:xfrm>
-        </p:spPr>
-        <p:txBody>
-          <a:bodyPr>
-            <a:normAutofit/>
-          </a:bodyPr>
+        <p:spPr/>
+        <p:txBody>
+          <a:bodyPr/>
           <a:lstStyle/>
           <a:p>
             <a:pPr marL="0" indent="0">
@@ -3710,68 +4418,7 @@
             </a:pPr>
             <a:r>
               <a:rPr lang="lv-LV" dirty="0"/>
-              <a:t>Daudzdimensiju masīva ietilpību var iegut sareizinot savstarpēji tā dimensijas.</a:t>
-            </a:r>
-          </a:p>
-          <a:p>
-            <a:pPr marL="0" indent="0">
-              <a:buNone/>
-            </a:pPr>
-            <a:r>
-              <a:rPr lang="en-US" dirty="0" err="1"/>
-              <a:t>Piemēram</a:t>
-            </a:r>
-            <a:r>
-              <a:rPr lang="en-US" dirty="0"/>
-              <a:t>: </a:t>
-            </a:r>
-            <a:endParaRPr lang="lv-LV" dirty="0"/>
-          </a:p>
-          <a:p>
-            <a:pPr marL="0" indent="0">
-              <a:buNone/>
-            </a:pPr>
-            <a:r>
-              <a:rPr lang="en-US" dirty="0" err="1"/>
-              <a:t>masīvā</a:t>
-            </a:r>
-            <a:r>
-              <a:rPr lang="en-US" dirty="0"/>
-              <a:t> int[][] x = new int[10][20]</a:t>
-            </a:r>
-            <a:endParaRPr lang="lv-LV" dirty="0"/>
-          </a:p>
-          <a:p>
-            <a:pPr marL="0" indent="0">
-              <a:buNone/>
-            </a:pPr>
-            <a:r>
-              <a:rPr lang="en-US" dirty="0"/>
-              <a:t>var </a:t>
-            </a:r>
-            <a:r>
-              <a:rPr lang="lv-LV" dirty="0"/>
-              <a:t>uzglabāt</a:t>
-            </a:r>
-            <a:r>
-              <a:rPr lang="en-US" dirty="0"/>
-              <a:t> </a:t>
-            </a:r>
-            <a:r>
-              <a:rPr lang="en-US" dirty="0" err="1"/>
-              <a:t>kopā</a:t>
-            </a:r>
-            <a:r>
-              <a:rPr lang="en-US" dirty="0"/>
-              <a:t> (10*20) = 200 </a:t>
-            </a:r>
-            <a:r>
-              <a:rPr lang="en-US" dirty="0" err="1"/>
-              <a:t>elementus</a:t>
-            </a:r>
-            <a:r>
-              <a:rPr lang="lv-LV" dirty="0"/>
-              <a:t>.</a:t>
+              <a:t>Katrā programmā lietotais masīvs ir jādefinē, piešķirot tam datu tipu, dimensiju skaitu, nosaukumu.</a:t>
             </a:r>
           </a:p>
           <a:p>
@@ -3784,10 +4431,10 @@
       </p:sp>
       <p:pic>
         <p:nvPicPr>
-          <p:cNvPr id="7" name="Picture 6">
-            <a:extLst>
-              <a:ext uri="{FF2B5EF4-FFF2-40B4-BE49-F238E27FC236}">
-                <a16:creationId xmlns:a16="http://schemas.microsoft.com/office/drawing/2014/main" id="{3ACEFD92-1E4F-D1A5-B725-9475B4A3DFE8}"/>
+          <p:cNvPr id="4" name="Picture 3">
+            <a:extLst>
+              <a:ext uri="{FF2B5EF4-FFF2-40B4-BE49-F238E27FC236}">
+                <a16:creationId xmlns:a16="http://schemas.microsoft.com/office/drawing/2014/main" id="{F75AF308-F2AF-D8C0-09CD-477E250A4E8D}"/>
               </a:ext>
             </a:extLst>
           </p:cNvPr>
@@ -3804,8 +4451,8 @@
         </p:blipFill>
         <p:spPr>
           <a:xfrm>
-            <a:off x="931536" y="4751711"/>
-            <a:ext cx="7275336" cy="1133044"/>
+            <a:off x="838200" y="2824077"/>
+            <a:ext cx="4088363" cy="1466729"/>
           </a:xfrm>
           <a:prstGeom prst="rect">
             <a:avLst/>
@@ -3815,7 +4462,7 @@
     </p:spTree>
     <p:extLst>
       <p:ext uri="{BB962C8B-B14F-4D97-AF65-F5344CB8AC3E}">
-        <p14:creationId xmlns:p14="http://schemas.microsoft.com/office/powerpoint/2010/main" val="2139457318"/>
+        <p14:creationId xmlns:p14="http://schemas.microsoft.com/office/powerpoint/2010/main" val="2121946703"/>
       </p:ext>
     </p:extLst>
   </p:cSld>
@@ -3847,7 +4494,7 @@
           <p:cNvPr id="2" name="Title 1">
             <a:extLst>
               <a:ext uri="{FF2B5EF4-FFF2-40B4-BE49-F238E27FC236}">
-                <a16:creationId xmlns:a16="http://schemas.microsoft.com/office/drawing/2014/main" id="{22376873-34FD-8D10-0E96-4A23D7327748}"/>
+                <a16:creationId xmlns:a16="http://schemas.microsoft.com/office/drawing/2014/main" id="{AFE53B09-D6D2-8870-3D84-AA847FA1B696}"/>
               </a:ext>
             </a:extLst>
           </p:cNvPr>
@@ -3876,7 +4523,7 @@
           <p:cNvPr id="3" name="Content Placeholder 2">
             <a:extLst>
               <a:ext uri="{FF2B5EF4-FFF2-40B4-BE49-F238E27FC236}">
-                <a16:creationId xmlns:a16="http://schemas.microsoft.com/office/drawing/2014/main" id="{2402489F-1C8C-9FB3-E223-DA077412CD9B}"/>
+                <a16:creationId xmlns:a16="http://schemas.microsoft.com/office/drawing/2014/main" id="{AD8D32C4-1205-152C-0F79-ADD1FA426FE6}"/>
               </a:ext>
             </a:extLst>
           </p:cNvPr>
@@ -3889,13 +4536,13 @@
         </p:nvSpPr>
         <p:spPr>
           <a:xfrm>
-            <a:off x="838200" y="1514907"/>
-            <a:ext cx="5594690" cy="4351338"/>
+            <a:off x="838199" y="1539767"/>
+            <a:ext cx="10515599" cy="4351338"/>
           </a:xfrm>
         </p:spPr>
         <p:txBody>
           <a:bodyPr>
-            <a:normAutofit fontScale="92500" lnSpcReduction="10000"/>
+            <a:normAutofit/>
           </a:bodyPr>
           <a:lstStyle/>
           <a:p>
@@ -3904,7 +4551,7 @@
             </a:pPr>
             <a:r>
               <a:rPr lang="lv-LV" dirty="0"/>
-              <a:t>Divdimensiju masīvam, tā pat kā viendimensiju masīvam, elementus var piešķirt gan tā definēšanas brīdī, gan caur konsoli. Lai aplūkotu divdimensija masīvu ir nepieciešams lietot cikls ciklā konstrukcija.</a:t>
+              <a:t>Daudzdimensiju masīva ietilpību var iegut sareizinot savstarpēji tā dimensijas.</a:t>
             </a:r>
           </a:p>
           <a:p>
@@ -3913,7 +4560,39 @@
             </a:pPr>
             <a:r>
               <a:rPr lang="en-US" dirty="0" err="1"/>
-              <a:t>Visbiežāk</a:t>
+              <a:t>Piemēram</a:t>
+            </a:r>
+            <a:r>
+              <a:rPr lang="en-US" dirty="0"/>
+              <a:t>: </a:t>
+            </a:r>
+            <a:endParaRPr lang="lv-LV" dirty="0"/>
+          </a:p>
+          <a:p>
+            <a:pPr marL="0" indent="0">
+              <a:buNone/>
+            </a:pPr>
+            <a:r>
+              <a:rPr lang="en-US" dirty="0" err="1"/>
+              <a:t>masīvā</a:t>
+            </a:r>
+            <a:r>
+              <a:rPr lang="en-US" dirty="0"/>
+              <a:t> int[][] x = new int[10][20]</a:t>
+            </a:r>
+            <a:endParaRPr lang="lv-LV" dirty="0"/>
+          </a:p>
+          <a:p>
+            <a:pPr marL="0" indent="0">
+              <a:buNone/>
+            </a:pPr>
+            <a:r>
+              <a:rPr lang="en-US" dirty="0"/>
+              <a:t>var </a:t>
+            </a:r>
+            <a:r>
+              <a:rPr lang="lv-LV" dirty="0"/>
+              <a:t>uzglabāt</a:t>
             </a:r>
             <a:r>
               <a:rPr lang="en-US" dirty="0"/>
@@ -3921,227 +4600,33 @@
             </a:r>
             <a:r>
               <a:rPr lang="en-US" dirty="0" err="1"/>
-              <a:t>tiek</a:t>
+              <a:t>kopā</a:t>
             </a:r>
             <a:r>
               <a:rPr lang="en-US" dirty="0"/>
-              <a:t> </a:t>
+              <a:t> (10*20) = 200 </a:t>
             </a:r>
             <a:r>
               <a:rPr lang="en-US" dirty="0" err="1"/>
-              <a:t>lietots</a:t>
-            </a:r>
-            <a:r>
-              <a:rPr lang="en-US" dirty="0"/>
-              <a:t> for</a:t>
+              <a:t>elementus</a:t>
             </a:r>
             <a:r>
               <a:rPr lang="lv-LV" dirty="0"/>
-              <a:t> </a:t>
-            </a:r>
-            <a:r>
-              <a:rPr lang="en-US" dirty="0" err="1"/>
-              <a:t>cikls</a:t>
-            </a:r>
-            <a:r>
-              <a:rPr lang="en-US" dirty="0"/>
-              <a:t>, jo </a:t>
-            </a:r>
-            <a:r>
-              <a:rPr lang="en-US" dirty="0" err="1"/>
-              <a:t>tas</a:t>
-            </a:r>
-            <a:r>
-              <a:rPr lang="en-US" dirty="0"/>
-              <a:t> </a:t>
-            </a:r>
-            <a:r>
-              <a:rPr lang="en-US" dirty="0" err="1"/>
-              <a:t>ir</a:t>
-            </a:r>
-            <a:r>
-              <a:rPr lang="en-US" dirty="0"/>
-              <a:t> </a:t>
-            </a:r>
-            <a:r>
-              <a:rPr lang="en-US" dirty="0" err="1"/>
-              <a:t>vispiemērotākais</a:t>
-            </a:r>
-            <a:r>
-              <a:rPr lang="en-US" dirty="0"/>
-              <a:t>. </a:t>
-            </a:r>
-            <a:endParaRPr lang="lv-LV" dirty="0"/>
+              <a:t>.</a:t>
+            </a:r>
           </a:p>
           <a:p>
             <a:pPr marL="0" indent="0">
               <a:buNone/>
             </a:pPr>
-            <a:r>
-              <a:rPr lang="en-US" dirty="0" err="1"/>
-              <a:t>Ārējais</a:t>
-            </a:r>
-            <a:r>
-              <a:rPr lang="en-US" dirty="0"/>
-              <a:t> </a:t>
-            </a:r>
-            <a:r>
-              <a:rPr lang="en-US" dirty="0" err="1"/>
-              <a:t>cikls</a:t>
-            </a:r>
-            <a:r>
-              <a:rPr lang="en-US" dirty="0"/>
-              <a:t> </a:t>
-            </a:r>
-            <a:r>
-              <a:rPr lang="lv-LV" dirty="0"/>
-              <a:t> - </a:t>
-            </a:r>
-            <a:r>
-              <a:rPr lang="en-US" dirty="0" err="1"/>
-              <a:t>atbild</a:t>
-            </a:r>
-            <a:r>
-              <a:rPr lang="lv-LV" dirty="0"/>
-              <a:t> </a:t>
-            </a:r>
-            <a:r>
-              <a:rPr lang="en-US" dirty="0"/>
-              <a:t>par </a:t>
-            </a:r>
-            <a:r>
-              <a:rPr lang="en-US" dirty="0" err="1"/>
-              <a:t>rindu</a:t>
-            </a:r>
-            <a:r>
-              <a:rPr lang="en-US" dirty="0"/>
-              <a:t> </a:t>
-            </a:r>
-            <a:r>
-              <a:rPr lang="en-US" dirty="0" err="1"/>
-              <a:t>apstaigāšanu</a:t>
-            </a:r>
-            <a:endParaRPr lang="lv-LV" dirty="0"/>
-          </a:p>
-          <a:p>
-            <a:pPr marL="0" indent="0">
-              <a:buNone/>
-            </a:pPr>
-            <a:r>
-              <a:rPr lang="lv-LV" dirty="0"/>
-              <a:t>I</a:t>
-            </a:r>
-            <a:r>
-              <a:rPr lang="en-US" dirty="0" err="1"/>
-              <a:t>ekšējais</a:t>
-            </a:r>
-            <a:r>
-              <a:rPr lang="en-US" dirty="0"/>
-              <a:t> </a:t>
-            </a:r>
-            <a:r>
-              <a:rPr lang="en-US" dirty="0" err="1"/>
-              <a:t>cikls</a:t>
-            </a:r>
-            <a:r>
-              <a:rPr lang="en-US" dirty="0"/>
-              <a:t> </a:t>
-            </a:r>
-            <a:r>
-              <a:rPr lang="lv-LV" dirty="0"/>
-              <a:t>- </a:t>
-            </a:r>
-            <a:r>
-              <a:rPr lang="en-US" dirty="0" err="1"/>
-              <a:t>atbild</a:t>
-            </a:r>
-            <a:r>
-              <a:rPr lang="en-US" dirty="0"/>
-              <a:t> par </a:t>
-            </a:r>
-            <a:r>
-              <a:rPr lang="en-US" dirty="0" err="1"/>
-              <a:t>kolonnu</a:t>
-            </a:r>
-            <a:r>
-              <a:rPr lang="lv-LV" dirty="0"/>
-              <a:t> </a:t>
-            </a:r>
-            <a:r>
-              <a:rPr lang="en-US" dirty="0" err="1"/>
-              <a:t>apstaigāšanu</a:t>
-            </a:r>
-            <a:r>
-              <a:rPr lang="en-US" dirty="0"/>
-              <a:t>.</a:t>
-            </a:r>
-          </a:p>
-        </p:txBody>
-      </p:sp>
-      <p:pic>
-        <p:nvPicPr>
-          <p:cNvPr id="5" name="Picture 4">
-            <a:extLst>
-              <a:ext uri="{FF2B5EF4-FFF2-40B4-BE49-F238E27FC236}">
-                <a16:creationId xmlns:a16="http://schemas.microsoft.com/office/drawing/2014/main" id="{BDC9C986-7C05-D861-4734-DE39ACCE401B}"/>
-              </a:ext>
-            </a:extLst>
-          </p:cNvPr>
-          <p:cNvPicPr>
-            <a:picLocks noChangeAspect="1"/>
-          </p:cNvPicPr>
-          <p:nvPr/>
-        </p:nvPicPr>
-        <p:blipFill>
-          <a:blip r:embed="rId2"/>
-          <a:stretch>
-            <a:fillRect/>
-          </a:stretch>
-        </p:blipFill>
-        <p:spPr>
-          <a:xfrm>
-            <a:off x="6096000" y="886410"/>
-            <a:ext cx="5833411" cy="1765602"/>
-          </a:xfrm>
-          <a:prstGeom prst="rect">
-            <a:avLst/>
-          </a:prstGeom>
-        </p:spPr>
-      </p:pic>
-      <p:pic>
-        <p:nvPicPr>
-          <p:cNvPr id="7" name="Picture 6">
-            <a:extLst>
-              <a:ext uri="{FF2B5EF4-FFF2-40B4-BE49-F238E27FC236}">
-                <a16:creationId xmlns:a16="http://schemas.microsoft.com/office/drawing/2014/main" id="{525AC5B3-C59D-EF5B-4674-3BF2BB49F1F0}"/>
-              </a:ext>
-            </a:extLst>
-          </p:cNvPr>
-          <p:cNvPicPr>
-            <a:picLocks noChangeAspect="1"/>
-          </p:cNvPicPr>
-          <p:nvPr/>
-        </p:nvPicPr>
-        <p:blipFill>
-          <a:blip r:embed="rId3"/>
-          <a:stretch>
-            <a:fillRect/>
-          </a:stretch>
-        </p:blipFill>
-        <p:spPr>
-          <a:xfrm>
-            <a:off x="6432890" y="3175890"/>
-            <a:ext cx="3625510" cy="2167203"/>
-          </a:xfrm>
-          <a:prstGeom prst="rect">
-            <a:avLst/>
-          </a:prstGeom>
-        </p:spPr>
-      </p:pic>
+            <a:endParaRPr lang="en-US" dirty="0"/>
+          </a:p>
+        </p:txBody>
+      </p:sp>
     </p:spTree>
     <p:extLst>
       <p:ext uri="{BB962C8B-B14F-4D97-AF65-F5344CB8AC3E}">
-        <p14:creationId xmlns:p14="http://schemas.microsoft.com/office/powerpoint/2010/main" val="1627750475"/>
+        <p14:creationId xmlns:p14="http://schemas.microsoft.com/office/powerpoint/2010/main" val="2139457318"/>
       </p:ext>
     </p:extLst>
   </p:cSld>
@@ -4170,10 +4655,39 @@
       </p:grpSpPr>
       <p:sp>
         <p:nvSpPr>
+          <p:cNvPr id="2" name="Title 1">
+            <a:extLst>
+              <a:ext uri="{FF2B5EF4-FFF2-40B4-BE49-F238E27FC236}">
+                <a16:creationId xmlns:a16="http://schemas.microsoft.com/office/drawing/2014/main" id="{22376873-34FD-8D10-0E96-4A23D7327748}"/>
+              </a:ext>
+            </a:extLst>
+          </p:cNvPr>
+          <p:cNvSpPr>
+            <a:spLocks noGrp="1"/>
+          </p:cNvSpPr>
+          <p:nvPr>
+            <p:ph type="title"/>
+          </p:nvPr>
+        </p:nvSpPr>
+        <p:spPr/>
+        <p:txBody>
+          <a:bodyPr/>
+          <a:lstStyle/>
+          <a:p>
+            <a:r>
+              <a:rPr lang="lv-LV" dirty="0"/>
+              <a:t>2D masīvs</a:t>
+            </a:r>
+            <a:endParaRPr lang="en-US" dirty="0"/>
+          </a:p>
+        </p:txBody>
+      </p:sp>
+      <p:sp>
+        <p:nvSpPr>
           <p:cNvPr id="3" name="Content Placeholder 2">
             <a:extLst>
               <a:ext uri="{FF2B5EF4-FFF2-40B4-BE49-F238E27FC236}">
-                <a16:creationId xmlns:a16="http://schemas.microsoft.com/office/drawing/2014/main" id="{E1D251BA-8A8C-4CDF-353D-540FA1479C8F}"/>
+                <a16:creationId xmlns:a16="http://schemas.microsoft.com/office/drawing/2014/main" id="{2402489F-1C8C-9FB3-E223-DA077412CD9B}"/>
               </a:ext>
             </a:extLst>
           </p:cNvPr>
@@ -4186,25 +4700,69 @@
         </p:nvSpPr>
         <p:spPr>
           <a:xfrm>
-            <a:off x="838200" y="715282"/>
-            <a:ext cx="10515600" cy="4351338"/>
+            <a:off x="838199" y="1514907"/>
+            <a:ext cx="5074090" cy="4186097"/>
           </a:xfrm>
         </p:spPr>
         <p:txBody>
-          <a:bodyPr/>
+          <a:bodyPr>
+            <a:normAutofit/>
+          </a:bodyPr>
           <a:lstStyle/>
           <a:p>
             <a:pPr marL="0" indent="0">
               <a:buNone/>
             </a:pPr>
-            <a:endParaRPr lang="en-US" dirty="0"/>
-          </a:p>
-        </p:txBody>
-      </p:sp>
+            <a:r>
+              <a:rPr lang="lv-LV" dirty="0"/>
+              <a:t>Divdimensiju masīvam, tā pat kā viendimensiju masīvam, elementus var piešķirt gan tā definēšanas brīdī, gan caur konsoli(ja tas tā ir izstrādāts). </a:t>
+            </a:r>
+          </a:p>
+          <a:p>
+            <a:pPr marL="0" indent="0">
+              <a:buNone/>
+            </a:pPr>
+            <a:r>
+              <a:rPr lang="lv-LV" dirty="0"/>
+              <a:t>Lai aplūkotu divdimensija masīvu ir nepieciešams lietot cikls ciklā konstrukcija.</a:t>
+            </a:r>
+          </a:p>
+        </p:txBody>
+      </p:sp>
+      <p:pic>
+        <p:nvPicPr>
+          <p:cNvPr id="6" name="Picture 5">
+            <a:extLst>
+              <a:ext uri="{FF2B5EF4-FFF2-40B4-BE49-F238E27FC236}">
+                <a16:creationId xmlns:a16="http://schemas.microsoft.com/office/drawing/2014/main" id="{AF5E1EA2-6F2A-FBBE-517D-5E1EE3989A34}"/>
+              </a:ext>
+            </a:extLst>
+          </p:cNvPr>
+          <p:cNvPicPr>
+            <a:picLocks noChangeAspect="1"/>
+          </p:cNvPicPr>
+          <p:nvPr/>
+        </p:nvPicPr>
+        <p:blipFill>
+          <a:blip r:embed="rId2"/>
+          <a:stretch>
+            <a:fillRect/>
+          </a:stretch>
+        </p:blipFill>
+        <p:spPr>
+          <a:xfrm>
+            <a:off x="5912289" y="1690688"/>
+            <a:ext cx="6178155" cy="3069771"/>
+          </a:xfrm>
+          <a:prstGeom prst="rect">
+            <a:avLst/>
+          </a:prstGeom>
+        </p:spPr>
+      </p:pic>
     </p:spTree>
     <p:extLst>
       <p:ext uri="{BB962C8B-B14F-4D97-AF65-F5344CB8AC3E}">
-        <p14:creationId xmlns:p14="http://schemas.microsoft.com/office/powerpoint/2010/main" val="3251771749"/>
+        <p14:creationId xmlns:p14="http://schemas.microsoft.com/office/powerpoint/2010/main" val="1627750475"/>
       </p:ext>
     </p:extLst>
   </p:cSld>
@@ -4236,7 +4794,7 @@
           <p:cNvPr id="2" name="Title 1">
             <a:extLst>
               <a:ext uri="{FF2B5EF4-FFF2-40B4-BE49-F238E27FC236}">
-                <a16:creationId xmlns:a16="http://schemas.microsoft.com/office/drawing/2014/main" id="{FF7B8840-0CF0-4B4A-26B3-B6230349D3E0}"/>
+                <a16:creationId xmlns:a16="http://schemas.microsoft.com/office/drawing/2014/main" id="{09425E60-0D65-1793-EBA6-63FF849F0732}"/>
               </a:ext>
             </a:extLst>
           </p:cNvPr>
@@ -4247,29 +4805,706 @@
             <p:ph type="title"/>
           </p:nvPr>
         </p:nvSpPr>
+        <p:spPr/>
+        <p:txBody>
+          <a:bodyPr/>
+          <a:lstStyle/>
+          <a:p>
+            <a:r>
+              <a:rPr lang="lv-LV" dirty="0"/>
+              <a:t>2D masīvs</a:t>
+            </a:r>
+            <a:endParaRPr lang="en-US" dirty="0"/>
+          </a:p>
+        </p:txBody>
+      </p:sp>
+      <p:sp>
+        <p:nvSpPr>
+          <p:cNvPr id="3" name="Content Placeholder 2">
+            <a:extLst>
+              <a:ext uri="{FF2B5EF4-FFF2-40B4-BE49-F238E27FC236}">
+                <a16:creationId xmlns:a16="http://schemas.microsoft.com/office/drawing/2014/main" id="{FDAB66FE-FE42-30A6-1D1F-4704BE21E6A1}"/>
+              </a:ext>
+            </a:extLst>
+          </p:cNvPr>
+          <p:cNvSpPr>
+            <a:spLocks noGrp="1"/>
+          </p:cNvSpPr>
+          <p:nvPr>
+            <p:ph idx="1"/>
+          </p:nvPr>
+        </p:nvSpPr>
+        <p:spPr/>
+        <p:txBody>
+          <a:bodyPr/>
+          <a:lstStyle/>
+          <a:p>
+            <a:pPr marL="0" indent="0">
+              <a:buNone/>
+            </a:pPr>
+            <a:r>
+              <a:rPr lang="en-US" dirty="0" err="1"/>
+              <a:t>Visbiežāk</a:t>
+            </a:r>
+            <a:r>
+              <a:rPr lang="en-US" dirty="0"/>
+              <a:t> </a:t>
+            </a:r>
+            <a:r>
+              <a:rPr lang="lv-LV" dirty="0"/>
+              <a:t>tiek</a:t>
+            </a:r>
+            <a:r>
+              <a:rPr lang="en-US" dirty="0"/>
+              <a:t> </a:t>
+            </a:r>
+            <a:r>
+              <a:rPr lang="en-US" dirty="0" err="1"/>
+              <a:t>lietots</a:t>
+            </a:r>
+            <a:r>
+              <a:rPr lang="en-US" dirty="0"/>
+              <a:t> for </a:t>
+            </a:r>
+            <a:r>
+              <a:rPr lang="en-US" dirty="0" err="1"/>
+              <a:t>cikls</a:t>
+            </a:r>
+            <a:r>
+              <a:rPr lang="en-US" dirty="0"/>
+              <a:t>, jo </a:t>
+            </a:r>
+            <a:r>
+              <a:rPr lang="en-US" dirty="0" err="1"/>
+              <a:t>tas</a:t>
+            </a:r>
+            <a:r>
+              <a:rPr lang="en-US" dirty="0"/>
+              <a:t> </a:t>
+            </a:r>
+            <a:r>
+              <a:rPr lang="en-US" dirty="0" err="1"/>
+              <a:t>ir</a:t>
+            </a:r>
+            <a:r>
+              <a:rPr lang="en-US" dirty="0"/>
+              <a:t> </a:t>
+            </a:r>
+            <a:r>
+              <a:rPr lang="en-US" dirty="0" err="1"/>
+              <a:t>vispiemērotākais</a:t>
+            </a:r>
+            <a:r>
+              <a:rPr lang="en-US" dirty="0"/>
+              <a:t>. </a:t>
+            </a:r>
+          </a:p>
+          <a:p>
+            <a:pPr marL="0" indent="0">
+              <a:buNone/>
+            </a:pPr>
+            <a:r>
+              <a:rPr lang="en-US" dirty="0" err="1"/>
+              <a:t>Ārējais</a:t>
+            </a:r>
+            <a:r>
+              <a:rPr lang="en-US" dirty="0"/>
+              <a:t> </a:t>
+            </a:r>
+            <a:r>
+              <a:rPr lang="en-US" dirty="0" err="1"/>
+              <a:t>cikls</a:t>
+            </a:r>
+            <a:r>
+              <a:rPr lang="en-US" dirty="0"/>
+              <a:t>  - </a:t>
+            </a:r>
+            <a:r>
+              <a:rPr lang="en-US" dirty="0" err="1"/>
+              <a:t>atbild</a:t>
+            </a:r>
+            <a:r>
+              <a:rPr lang="en-US" dirty="0"/>
+              <a:t> par </a:t>
+            </a:r>
+            <a:r>
+              <a:rPr lang="en-US" dirty="0" err="1"/>
+              <a:t>rindu</a:t>
+            </a:r>
+            <a:r>
+              <a:rPr lang="en-US" dirty="0"/>
+              <a:t> </a:t>
+            </a:r>
+            <a:r>
+              <a:rPr lang="en-US" dirty="0" err="1"/>
+              <a:t>apstaigāšanu</a:t>
+            </a:r>
+            <a:endParaRPr lang="en-US" dirty="0"/>
+          </a:p>
+          <a:p>
+            <a:pPr marL="0" indent="0">
+              <a:buNone/>
+            </a:pPr>
+            <a:r>
+              <a:rPr lang="en-US" dirty="0" err="1"/>
+              <a:t>Iekšējais</a:t>
+            </a:r>
+            <a:r>
+              <a:rPr lang="en-US" dirty="0"/>
+              <a:t> </a:t>
+            </a:r>
+            <a:r>
+              <a:rPr lang="en-US" dirty="0" err="1"/>
+              <a:t>cikls</a:t>
+            </a:r>
+            <a:r>
+              <a:rPr lang="en-US" dirty="0"/>
+              <a:t> - </a:t>
+            </a:r>
+            <a:r>
+              <a:rPr lang="en-US" dirty="0" err="1"/>
+              <a:t>atbild</a:t>
+            </a:r>
+            <a:r>
+              <a:rPr lang="en-US" dirty="0"/>
+              <a:t> par </a:t>
+            </a:r>
+            <a:r>
+              <a:rPr lang="en-US" dirty="0" err="1"/>
+              <a:t>kolonnu</a:t>
+            </a:r>
+            <a:r>
+              <a:rPr lang="en-US" dirty="0"/>
+              <a:t> </a:t>
+            </a:r>
+            <a:r>
+              <a:rPr lang="en-US" dirty="0" err="1"/>
+              <a:t>apstaigāšanu</a:t>
+            </a:r>
+            <a:r>
+              <a:rPr lang="en-US" dirty="0"/>
+              <a:t>.</a:t>
+            </a:r>
+          </a:p>
+          <a:p>
+            <a:pPr marL="0" indent="0">
+              <a:buNone/>
+            </a:pPr>
+            <a:endParaRPr lang="en-US" dirty="0"/>
+          </a:p>
+          <a:p>
+            <a:pPr marL="0" indent="0">
+              <a:buNone/>
+            </a:pPr>
+            <a:endParaRPr lang="en-US" dirty="0"/>
+          </a:p>
+        </p:txBody>
+      </p:sp>
+      <p:pic>
+        <p:nvPicPr>
+          <p:cNvPr id="4" name="Picture 3">
+            <a:extLst>
+              <a:ext uri="{FF2B5EF4-FFF2-40B4-BE49-F238E27FC236}">
+                <a16:creationId xmlns:a16="http://schemas.microsoft.com/office/drawing/2014/main" id="{CAF3BC51-5257-45B3-43D6-6D9DE69A6476}"/>
+              </a:ext>
+            </a:extLst>
+          </p:cNvPr>
+          <p:cNvPicPr>
+            <a:picLocks noChangeAspect="1"/>
+          </p:cNvPicPr>
+          <p:nvPr/>
+        </p:nvPicPr>
+        <p:blipFill>
+          <a:blip r:embed="rId2"/>
+          <a:stretch>
+            <a:fillRect/>
+          </a:stretch>
+        </p:blipFill>
         <p:spPr>
           <a:xfrm>
-            <a:off x="838200" y="2766218"/>
-            <a:ext cx="10515600" cy="1325563"/>
+            <a:off x="227045" y="3315145"/>
+            <a:ext cx="8456720" cy="2559601"/>
           </a:xfrm>
+          <a:prstGeom prst="rect">
+            <a:avLst/>
+          </a:prstGeom>
         </p:spPr>
-        <p:txBody>
-          <a:bodyPr/>
-          <a:lstStyle/>
-          <a:p>
-            <a:pPr algn="ctr"/>
-            <a:r>
-              <a:rPr lang="lv-LV" dirty="0"/>
-              <a:t>Paldies par uzmanību!</a:t>
-            </a:r>
-            <a:endParaRPr lang="en-US" dirty="0"/>
-          </a:p>
-        </p:txBody>
-      </p:sp>
+      </p:pic>
+      <p:pic>
+        <p:nvPicPr>
+          <p:cNvPr id="5" name="Picture 4">
+            <a:extLst>
+              <a:ext uri="{FF2B5EF4-FFF2-40B4-BE49-F238E27FC236}">
+                <a16:creationId xmlns:a16="http://schemas.microsoft.com/office/drawing/2014/main" id="{1D87AB0E-930C-C834-7044-F4802E92DA09}"/>
+              </a:ext>
+            </a:extLst>
+          </p:cNvPr>
+          <p:cNvPicPr>
+            <a:picLocks noChangeAspect="1"/>
+          </p:cNvPicPr>
+          <p:nvPr/>
+        </p:nvPicPr>
+        <p:blipFill>
+          <a:blip r:embed="rId3"/>
+          <a:stretch>
+            <a:fillRect/>
+          </a:stretch>
+        </p:blipFill>
+        <p:spPr>
+          <a:xfrm>
+            <a:off x="8871290" y="4275621"/>
+            <a:ext cx="3180751" cy="1901342"/>
+          </a:xfrm>
+          <a:prstGeom prst="rect">
+            <a:avLst/>
+          </a:prstGeom>
+        </p:spPr>
+      </p:pic>
     </p:spTree>
     <p:extLst>
       <p:ext uri="{BB962C8B-B14F-4D97-AF65-F5344CB8AC3E}">
-        <p14:creationId xmlns:p14="http://schemas.microsoft.com/office/powerpoint/2010/main" val="2754659688"/>
+        <p14:creationId xmlns:p14="http://schemas.microsoft.com/office/powerpoint/2010/main" val="2423027963"/>
+      </p:ext>
+    </p:extLst>
+  </p:cSld>
+  <p:clrMapOvr>
+    <a:masterClrMapping/>
+  </p:clrMapOvr>
+</p:sld>
+</file>
+
+<file path=ppt/slides/slide7.xml><?xml version="1.0" encoding="utf-8"?>
+<p:sld xmlns:a="http://schemas.openxmlformats.org/drawingml/2006/main" xmlns:r="http://schemas.openxmlformats.org/officeDocument/2006/relationships" xmlns:p="http://schemas.openxmlformats.org/presentationml/2006/main">
+  <p:cSld>
+    <p:spTree>
+      <p:nvGrpSpPr>
+        <p:cNvPr id="1" name=""/>
+        <p:cNvGrpSpPr/>
+        <p:nvPr/>
+      </p:nvGrpSpPr>
+      <p:grpSpPr>
+        <a:xfrm>
+          <a:off x="0" y="0"/>
+          <a:ext cx="0" cy="0"/>
+          <a:chOff x="0" y="0"/>
+          <a:chExt cx="0" cy="0"/>
+        </a:xfrm>
+      </p:grpSpPr>
+      <p:sp>
+        <p:nvSpPr>
+          <p:cNvPr id="2" name="Title 1">
+            <a:extLst>
+              <a:ext uri="{FF2B5EF4-FFF2-40B4-BE49-F238E27FC236}">
+                <a16:creationId xmlns:a16="http://schemas.microsoft.com/office/drawing/2014/main" id="{B2CAC315-AEFC-C8B5-9ABE-C7B7B71E53EB}"/>
+              </a:ext>
+            </a:extLst>
+          </p:cNvPr>
+          <p:cNvSpPr>
+            <a:spLocks noGrp="1"/>
+          </p:cNvSpPr>
+          <p:nvPr>
+            <p:ph type="title"/>
+          </p:nvPr>
+        </p:nvSpPr>
+        <p:spPr/>
+        <p:txBody>
+          <a:bodyPr/>
+          <a:lstStyle/>
+          <a:p>
+            <a:r>
+              <a:rPr lang="lv-LV" dirty="0"/>
+              <a:t>2D masīvs</a:t>
+            </a:r>
+            <a:endParaRPr lang="en-US" dirty="0"/>
+          </a:p>
+        </p:txBody>
+      </p:sp>
+      <p:sp>
+        <p:nvSpPr>
+          <p:cNvPr id="3" name="Content Placeholder 2">
+            <a:extLst>
+              <a:ext uri="{FF2B5EF4-FFF2-40B4-BE49-F238E27FC236}">
+                <a16:creationId xmlns:a16="http://schemas.microsoft.com/office/drawing/2014/main" id="{94FC9AC7-9F9A-4437-AAA2-E8875E0B884F}"/>
+              </a:ext>
+            </a:extLst>
+          </p:cNvPr>
+          <p:cNvSpPr>
+            <a:spLocks noGrp="1"/>
+          </p:cNvSpPr>
+          <p:nvPr>
+            <p:ph idx="1"/>
+          </p:nvPr>
+        </p:nvSpPr>
+        <p:spPr/>
+        <p:txBody>
+          <a:bodyPr/>
+          <a:lstStyle/>
+          <a:p>
+            <a:pPr marL="0" indent="0">
+              <a:buNone/>
+            </a:pPr>
+            <a:r>
+              <a:rPr lang="lv-LV" dirty="0"/>
+              <a:t>Var rasties situācijas, kad ir nepieciešams atrast kādu masīva elementu, piemēram, masīva mazāko elementu rindā vai kolonna , vai visā masīvā.</a:t>
+            </a:r>
+          </a:p>
+          <a:p>
+            <a:pPr marL="0" indent="0">
+              <a:buNone/>
+            </a:pPr>
+            <a:r>
+              <a:rPr lang="lv-LV" dirty="0"/>
+              <a:t>Tam palīgā nāk meklēšanas algoritmi:</a:t>
+            </a:r>
+            <a:br>
+              <a:rPr lang="lv-LV" dirty="0"/>
+            </a:br>
+            <a:br>
+              <a:rPr lang="lv-LV" dirty="0"/>
+            </a:br>
+            <a:r>
+              <a:rPr lang="lv-LV" dirty="0"/>
+              <a:t>1. Binārās meklēšana algoritms</a:t>
+            </a:r>
+          </a:p>
+          <a:p>
+            <a:pPr marL="0" indent="0">
+              <a:buNone/>
+            </a:pPr>
+            <a:r>
+              <a:rPr lang="lv-LV" dirty="0"/>
+              <a:t>2. Lineārās meklēšanas algoritms</a:t>
+            </a:r>
+          </a:p>
+          <a:p>
+            <a:pPr marL="0" indent="0">
+              <a:buNone/>
+            </a:pPr>
+            <a:r>
+              <a:rPr lang="lv-LV" dirty="0"/>
+              <a:t>3. Exponental Search</a:t>
+            </a:r>
+          </a:p>
+          <a:p>
+            <a:pPr marL="0" indent="0">
+              <a:buNone/>
+            </a:pPr>
+            <a:r>
+              <a:rPr lang="lv-LV" dirty="0"/>
+              <a:t>4. Fibonacci Search</a:t>
+            </a:r>
+            <a:endParaRPr lang="en-US" dirty="0"/>
+          </a:p>
+        </p:txBody>
+      </p:sp>
+    </p:spTree>
+    <p:extLst>
+      <p:ext uri="{BB962C8B-B14F-4D97-AF65-F5344CB8AC3E}">
+        <p14:creationId xmlns:p14="http://schemas.microsoft.com/office/powerpoint/2010/main" val="525022003"/>
+      </p:ext>
+    </p:extLst>
+  </p:cSld>
+  <p:clrMapOvr>
+    <a:masterClrMapping/>
+  </p:clrMapOvr>
+</p:sld>
+</file>
+
+<file path=ppt/slides/slide8.xml><?xml version="1.0" encoding="utf-8"?>
+<p:sld xmlns:a="http://schemas.openxmlformats.org/drawingml/2006/main" xmlns:r="http://schemas.openxmlformats.org/officeDocument/2006/relationships" xmlns:p="http://schemas.openxmlformats.org/presentationml/2006/main">
+  <p:cSld>
+    <p:spTree>
+      <p:nvGrpSpPr>
+        <p:cNvPr id="1" name=""/>
+        <p:cNvGrpSpPr/>
+        <p:nvPr/>
+      </p:nvGrpSpPr>
+      <p:grpSpPr>
+        <a:xfrm>
+          <a:off x="0" y="0"/>
+          <a:ext cx="0" cy="0"/>
+          <a:chOff x="0" y="0"/>
+          <a:chExt cx="0" cy="0"/>
+        </a:xfrm>
+      </p:grpSpPr>
+      <p:sp>
+        <p:nvSpPr>
+          <p:cNvPr id="2" name="Title 1">
+            <a:extLst>
+              <a:ext uri="{FF2B5EF4-FFF2-40B4-BE49-F238E27FC236}">
+                <a16:creationId xmlns:a16="http://schemas.microsoft.com/office/drawing/2014/main" id="{65C371FB-F524-4053-90A8-5121FF79961B}"/>
+              </a:ext>
+            </a:extLst>
+          </p:cNvPr>
+          <p:cNvSpPr>
+            <a:spLocks noGrp="1"/>
+          </p:cNvSpPr>
+          <p:nvPr>
+            <p:ph type="title"/>
+          </p:nvPr>
+        </p:nvSpPr>
+        <p:spPr/>
+        <p:txBody>
+          <a:bodyPr/>
+          <a:lstStyle/>
+          <a:p>
+            <a:r>
+              <a:rPr lang="lv-LV" dirty="0"/>
+              <a:t>2D masīvs</a:t>
+            </a:r>
+            <a:endParaRPr lang="en-US" dirty="0"/>
+          </a:p>
+        </p:txBody>
+      </p:sp>
+      <p:sp>
+        <p:nvSpPr>
+          <p:cNvPr id="3" name="Content Placeholder 2">
+            <a:extLst>
+              <a:ext uri="{FF2B5EF4-FFF2-40B4-BE49-F238E27FC236}">
+                <a16:creationId xmlns:a16="http://schemas.microsoft.com/office/drawing/2014/main" id="{3FCEC3B8-773B-E38E-541C-4AD08D30FFDB}"/>
+              </a:ext>
+            </a:extLst>
+          </p:cNvPr>
+          <p:cNvSpPr>
+            <a:spLocks noGrp="1"/>
+          </p:cNvSpPr>
+          <p:nvPr>
+            <p:ph idx="1"/>
+          </p:nvPr>
+        </p:nvSpPr>
+        <p:spPr/>
+        <p:txBody>
+          <a:bodyPr/>
+          <a:lstStyle/>
+          <a:p>
+            <a:pPr marL="0" indent="0">
+              <a:buNone/>
+            </a:pPr>
+            <a:r>
+              <a:rPr lang="lv-LV" dirty="0"/>
+              <a:t>Ja vēlaties iegūt konkrētu divdimensija masīva elementu to varat izdarīt print() daļā ievadot masīva nousakumu un kurā rindā/kolonnā ir jūsu vēlamais elements. (Atceries kad masīva pirmais elements ir 0).</a:t>
+            </a:r>
+          </a:p>
+        </p:txBody>
+      </p:sp>
+      <p:pic>
+        <p:nvPicPr>
+          <p:cNvPr id="6" name="Picture 5">
+            <a:extLst>
+              <a:ext uri="{FF2B5EF4-FFF2-40B4-BE49-F238E27FC236}">
+                <a16:creationId xmlns:a16="http://schemas.microsoft.com/office/drawing/2014/main" id="{BA6E294F-1D4F-31F9-31B0-14E296A146BB}"/>
+              </a:ext>
+            </a:extLst>
+          </p:cNvPr>
+          <p:cNvPicPr>
+            <a:picLocks noChangeAspect="1"/>
+          </p:cNvPicPr>
+          <p:nvPr/>
+        </p:nvPicPr>
+        <p:blipFill>
+          <a:blip r:embed="rId2"/>
+          <a:stretch>
+            <a:fillRect/>
+          </a:stretch>
+        </p:blipFill>
+        <p:spPr>
+          <a:xfrm>
+            <a:off x="4005166" y="4308854"/>
+            <a:ext cx="7815456" cy="2003046"/>
+          </a:xfrm>
+          <a:prstGeom prst="rect">
+            <a:avLst/>
+          </a:prstGeom>
+        </p:spPr>
+      </p:pic>
+      <p:sp>
+        <p:nvSpPr>
+          <p:cNvPr id="7" name="TextBox 6">
+            <a:extLst>
+              <a:ext uri="{FF2B5EF4-FFF2-40B4-BE49-F238E27FC236}">
+                <a16:creationId xmlns:a16="http://schemas.microsoft.com/office/drawing/2014/main" id="{E5EE1E05-8D9D-BC31-86D2-93486581BFD0}"/>
+              </a:ext>
+            </a:extLst>
+          </p:cNvPr>
+          <p:cNvSpPr txBox="1"/>
+          <p:nvPr/>
+        </p:nvSpPr>
+        <p:spPr>
+          <a:xfrm>
+            <a:off x="4447712" y="3059668"/>
+            <a:ext cx="5024761" cy="369332"/>
+          </a:xfrm>
+          <a:prstGeom prst="rect">
+            <a:avLst/>
+          </a:prstGeom>
+          <a:noFill/>
+        </p:spPr>
+        <p:txBody>
+          <a:bodyPr wrap="square" rtlCol="0">
+            <a:spAutoFit/>
+          </a:bodyPr>
+          <a:lstStyle/>
+          <a:p>
+            <a:r>
+              <a:rPr lang="lv-LV" dirty="0">
+                <a:solidFill>
+                  <a:schemeClr val="bg2">
+                    <a:lumMod val="75000"/>
+                  </a:schemeClr>
+                </a:solidFill>
+              </a:rPr>
+              <a:t>Netiek pielietos meklēšanas algoritms</a:t>
+            </a:r>
+            <a:endParaRPr lang="en-US" dirty="0">
+              <a:solidFill>
+                <a:schemeClr val="bg2">
+                  <a:lumMod val="75000"/>
+                </a:schemeClr>
+              </a:solidFill>
+            </a:endParaRPr>
+          </a:p>
+        </p:txBody>
+      </p:sp>
+    </p:spTree>
+    <p:extLst>
+      <p:ext uri="{BB962C8B-B14F-4D97-AF65-F5344CB8AC3E}">
+        <p14:creationId xmlns:p14="http://schemas.microsoft.com/office/powerpoint/2010/main" val="4040132939"/>
+      </p:ext>
+    </p:extLst>
+  </p:cSld>
+  <p:clrMapOvr>
+    <a:masterClrMapping/>
+  </p:clrMapOvr>
+</p:sld>
+</file>
+
+<file path=ppt/slides/slide9.xml><?xml version="1.0" encoding="utf-8"?>
+<p:sld xmlns:a="http://schemas.openxmlformats.org/drawingml/2006/main" xmlns:r="http://schemas.openxmlformats.org/officeDocument/2006/relationships" xmlns:p="http://schemas.openxmlformats.org/presentationml/2006/main">
+  <p:cSld>
+    <p:spTree>
+      <p:nvGrpSpPr>
+        <p:cNvPr id="1" name=""/>
+        <p:cNvGrpSpPr/>
+        <p:nvPr/>
+      </p:nvGrpSpPr>
+      <p:grpSpPr>
+        <a:xfrm>
+          <a:off x="0" y="0"/>
+          <a:ext cx="0" cy="0"/>
+          <a:chOff x="0" y="0"/>
+          <a:chExt cx="0" cy="0"/>
+        </a:xfrm>
+      </p:grpSpPr>
+      <p:sp>
+        <p:nvSpPr>
+          <p:cNvPr id="2" name="Title 1">
+            <a:extLst>
+              <a:ext uri="{FF2B5EF4-FFF2-40B4-BE49-F238E27FC236}">
+                <a16:creationId xmlns:a16="http://schemas.microsoft.com/office/drawing/2014/main" id="{E5A8466D-C540-51CB-06F6-A58A3A98F03D}"/>
+              </a:ext>
+            </a:extLst>
+          </p:cNvPr>
+          <p:cNvSpPr>
+            <a:spLocks noGrp="1"/>
+          </p:cNvSpPr>
+          <p:nvPr>
+            <p:ph type="title"/>
+          </p:nvPr>
+        </p:nvSpPr>
+        <p:spPr/>
+        <p:txBody>
+          <a:bodyPr/>
+          <a:lstStyle/>
+          <a:p>
+            <a:r>
+              <a:rPr lang="lv-LV" dirty="0"/>
+              <a:t>2D masīvs</a:t>
+            </a:r>
+            <a:endParaRPr lang="en-US" dirty="0"/>
+          </a:p>
+        </p:txBody>
+      </p:sp>
+      <p:sp>
+        <p:nvSpPr>
+          <p:cNvPr id="7" name="Content Placeholder 6">
+            <a:extLst>
+              <a:ext uri="{FF2B5EF4-FFF2-40B4-BE49-F238E27FC236}">
+                <a16:creationId xmlns:a16="http://schemas.microsoft.com/office/drawing/2014/main" id="{2C42BEC7-DB82-B27C-EEB4-BB4F257D39A5}"/>
+              </a:ext>
+            </a:extLst>
+          </p:cNvPr>
+          <p:cNvSpPr>
+            <a:spLocks noGrp="1"/>
+          </p:cNvSpPr>
+          <p:nvPr>
+            <p:ph idx="1"/>
+          </p:nvPr>
+        </p:nvSpPr>
+        <p:spPr>
+          <a:xfrm>
+            <a:off x="838200" y="1825625"/>
+            <a:ext cx="5201376" cy="4351338"/>
+          </a:xfrm>
+        </p:spPr>
+        <p:txBody>
+          <a:bodyPr/>
+          <a:lstStyle/>
+          <a:p>
+            <a:pPr marL="0" indent="0">
+              <a:buNone/>
+            </a:pPr>
+            <a:r>
+              <a:rPr lang="lv-LV" dirty="0"/>
+              <a:t>Ar Lineārās meklēšanas algoritma palīdzību atradīsim katrā kolonnā mazāko elementu un katras kolonas negatīvo summas moduli.</a:t>
+            </a:r>
+            <a:br>
+              <a:rPr lang="lv-LV" dirty="0"/>
+            </a:br>
+            <a:br>
+              <a:rPr lang="lv-LV" dirty="0"/>
+            </a:br>
+            <a:r>
+              <a:rPr lang="lv-LV" dirty="0"/>
+              <a:t>Šis ir viens no veidiem ka pielietot meklēšanas algoritmu</a:t>
+            </a:r>
+            <a:endParaRPr lang="en-US" dirty="0"/>
+          </a:p>
+        </p:txBody>
+      </p:sp>
+      <p:pic>
+        <p:nvPicPr>
+          <p:cNvPr id="9" name="Picture 8">
+            <a:extLst>
+              <a:ext uri="{FF2B5EF4-FFF2-40B4-BE49-F238E27FC236}">
+                <a16:creationId xmlns:a16="http://schemas.microsoft.com/office/drawing/2014/main" id="{6169B2FD-F259-6858-B8AB-512325D791D0}"/>
+              </a:ext>
+            </a:extLst>
+          </p:cNvPr>
+          <p:cNvPicPr>
+            <a:picLocks noChangeAspect="1"/>
+          </p:cNvPicPr>
+          <p:nvPr/>
+        </p:nvPicPr>
+        <p:blipFill>
+          <a:blip r:embed="rId2"/>
+          <a:stretch>
+            <a:fillRect/>
+          </a:stretch>
+        </p:blipFill>
+        <p:spPr>
+          <a:xfrm>
+            <a:off x="6407187" y="137653"/>
+            <a:ext cx="5201376" cy="6582694"/>
+          </a:xfrm>
+          <a:prstGeom prst="rect">
+            <a:avLst/>
+          </a:prstGeom>
+        </p:spPr>
+      </p:pic>
+    </p:spTree>
+    <p:extLst>
+      <p:ext uri="{BB962C8B-B14F-4D97-AF65-F5344CB8AC3E}">
+        <p14:creationId xmlns:p14="http://schemas.microsoft.com/office/powerpoint/2010/main" val="1193848527"/>
       </p:ext>
     </p:extLst>
   </p:cSld>
